--- a/ppt 16-9/0495.主的工人！快速.pptx
+++ b/ppt 16-9/0495.主的工人！快速.pptx
@@ -129,7 +129,7 @@
           <p:cNvPr id="2" name="标题 1">
             <a:extLst>
               <a:ext uri="{FF2B5EF4-FFF2-40B4-BE49-F238E27FC236}">
-                <a16:creationId xmlns:a16="http://schemas.microsoft.com/office/drawing/2014/main" id="{EECABE33-8194-C6A9-2A08-88E1F6F39DF8}"/>
+                <a16:creationId xmlns:a16="http://schemas.microsoft.com/office/drawing/2014/main" id="{02754B46-26E6-E80B-566B-253A96C625E1}"/>
               </a:ext>
             </a:extLst>
           </p:cNvPr>
@@ -166,7 +166,7 @@
           <p:cNvPr id="3" name="副标题 2">
             <a:extLst>
               <a:ext uri="{FF2B5EF4-FFF2-40B4-BE49-F238E27FC236}">
-                <a16:creationId xmlns:a16="http://schemas.microsoft.com/office/drawing/2014/main" id="{11F682DE-E878-18E7-9D3B-74BC671D3476}"/>
+                <a16:creationId xmlns:a16="http://schemas.microsoft.com/office/drawing/2014/main" id="{CAB6247C-B26C-F9D5-7D3F-95C816F4F7C3}"/>
               </a:ext>
             </a:extLst>
           </p:cNvPr>
@@ -236,7 +236,7 @@
           <p:cNvPr id="4" name="日期占位符 3">
             <a:extLst>
               <a:ext uri="{FF2B5EF4-FFF2-40B4-BE49-F238E27FC236}">
-                <a16:creationId xmlns:a16="http://schemas.microsoft.com/office/drawing/2014/main" id="{6C263AB3-EEE2-9D33-110B-66091C132AE4}"/>
+                <a16:creationId xmlns:a16="http://schemas.microsoft.com/office/drawing/2014/main" id="{10A6CB1E-60E6-0BB3-107F-BA452E10ECC1}"/>
               </a:ext>
             </a:extLst>
           </p:cNvPr>
@@ -252,7 +252,7 @@
           <a:bodyPr/>
           <a:lstStyle/>
           <a:p>
-            <a:fld id="{CE32B389-7A98-4B9C-B3EF-B2436EF76DD5}" type="datetimeFigureOut">
+            <a:fld id="{29AD8CF3-C051-4522-A793-C9DE73AF9CC1}" type="datetimeFigureOut">
               <a:rPr lang="zh-CN" altLang="en-US" smtClean="0"/>
               <a:t>2024/3/10</a:t>
             </a:fld>
@@ -265,7 +265,7 @@
           <p:cNvPr id="5" name="页脚占位符 4">
             <a:extLst>
               <a:ext uri="{FF2B5EF4-FFF2-40B4-BE49-F238E27FC236}">
-                <a16:creationId xmlns:a16="http://schemas.microsoft.com/office/drawing/2014/main" id="{728B8E71-E0D6-53A8-4F80-89AB6BFF6375}"/>
+                <a16:creationId xmlns:a16="http://schemas.microsoft.com/office/drawing/2014/main" id="{D7C4C305-D0A5-803A-A4AC-2090D9690AAF}"/>
               </a:ext>
             </a:extLst>
           </p:cNvPr>
@@ -290,7 +290,7 @@
           <p:cNvPr id="6" name="灯片编号占位符 5">
             <a:extLst>
               <a:ext uri="{FF2B5EF4-FFF2-40B4-BE49-F238E27FC236}">
-                <a16:creationId xmlns:a16="http://schemas.microsoft.com/office/drawing/2014/main" id="{D9E8CE2E-A29B-4B25-041A-01BF9E8FC7F5}"/>
+                <a16:creationId xmlns:a16="http://schemas.microsoft.com/office/drawing/2014/main" id="{655138FD-AF6A-6455-2A58-7856E10BFD84}"/>
               </a:ext>
             </a:extLst>
           </p:cNvPr>
@@ -306,7 +306,7 @@
           <a:bodyPr/>
           <a:lstStyle/>
           <a:p>
-            <a:fld id="{46ED05AC-80C4-4AFD-9266-1019A2E3A2F9}" type="slidenum">
+            <a:fld id="{EA56D18F-9A25-41C1-8B41-0E46C40745A3}" type="slidenum">
               <a:rPr lang="zh-CN" altLang="en-US" smtClean="0"/>
               <a:t>‹#›</a:t>
             </a:fld>
@@ -317,7 +317,7 @@
     </p:spTree>
     <p:extLst>
       <p:ext uri="{BB962C8B-B14F-4D97-AF65-F5344CB8AC3E}">
-        <p14:creationId xmlns:p14="http://schemas.microsoft.com/office/powerpoint/2010/main" val="2628145079"/>
+        <p14:creationId xmlns:p14="http://schemas.microsoft.com/office/powerpoint/2010/main" val="1532319490"/>
       </p:ext>
     </p:extLst>
   </p:cSld>
@@ -349,7 +349,7 @@
           <p:cNvPr id="2" name="标题 1">
             <a:extLst>
               <a:ext uri="{FF2B5EF4-FFF2-40B4-BE49-F238E27FC236}">
-                <a16:creationId xmlns:a16="http://schemas.microsoft.com/office/drawing/2014/main" id="{88AE578A-931C-AFF5-6802-0AB99216E9CA}"/>
+                <a16:creationId xmlns:a16="http://schemas.microsoft.com/office/drawing/2014/main" id="{76FF36F2-A2E1-952B-BE13-FC47C9B5A713}"/>
               </a:ext>
             </a:extLst>
           </p:cNvPr>
@@ -377,7 +377,7 @@
           <p:cNvPr id="3" name="竖排文字占位符 2">
             <a:extLst>
               <a:ext uri="{FF2B5EF4-FFF2-40B4-BE49-F238E27FC236}">
-                <a16:creationId xmlns:a16="http://schemas.microsoft.com/office/drawing/2014/main" id="{799F1E07-548B-B8A2-3C14-DF8135D89863}"/>
+                <a16:creationId xmlns:a16="http://schemas.microsoft.com/office/drawing/2014/main" id="{1CCE501B-EAD0-0C6D-F841-620FFF51DE50}"/>
               </a:ext>
             </a:extLst>
           </p:cNvPr>
@@ -434,7 +434,7 @@
           <p:cNvPr id="4" name="日期占位符 3">
             <a:extLst>
               <a:ext uri="{FF2B5EF4-FFF2-40B4-BE49-F238E27FC236}">
-                <a16:creationId xmlns:a16="http://schemas.microsoft.com/office/drawing/2014/main" id="{442851EE-BDC0-0BCD-D2B7-A97BD118BDE8}"/>
+                <a16:creationId xmlns:a16="http://schemas.microsoft.com/office/drawing/2014/main" id="{FD658EAB-20E8-D004-5820-E5C8EFDAECC5}"/>
               </a:ext>
             </a:extLst>
           </p:cNvPr>
@@ -450,7 +450,7 @@
           <a:bodyPr/>
           <a:lstStyle/>
           <a:p>
-            <a:fld id="{CE32B389-7A98-4B9C-B3EF-B2436EF76DD5}" type="datetimeFigureOut">
+            <a:fld id="{29AD8CF3-C051-4522-A793-C9DE73AF9CC1}" type="datetimeFigureOut">
               <a:rPr lang="zh-CN" altLang="en-US" smtClean="0"/>
               <a:t>2024/3/10</a:t>
             </a:fld>
@@ -463,7 +463,7 @@
           <p:cNvPr id="5" name="页脚占位符 4">
             <a:extLst>
               <a:ext uri="{FF2B5EF4-FFF2-40B4-BE49-F238E27FC236}">
-                <a16:creationId xmlns:a16="http://schemas.microsoft.com/office/drawing/2014/main" id="{1101EB11-46AF-5BA1-CE7D-E9AB1365AE9D}"/>
+                <a16:creationId xmlns:a16="http://schemas.microsoft.com/office/drawing/2014/main" id="{C25A791E-604C-9AFA-CDDE-E8A036154C0D}"/>
               </a:ext>
             </a:extLst>
           </p:cNvPr>
@@ -488,7 +488,7 @@
           <p:cNvPr id="6" name="灯片编号占位符 5">
             <a:extLst>
               <a:ext uri="{FF2B5EF4-FFF2-40B4-BE49-F238E27FC236}">
-                <a16:creationId xmlns:a16="http://schemas.microsoft.com/office/drawing/2014/main" id="{C2C9F382-E5F3-F1BF-E9E9-13F739886E48}"/>
+                <a16:creationId xmlns:a16="http://schemas.microsoft.com/office/drawing/2014/main" id="{1341B085-B75C-5613-2A42-9456A1682D42}"/>
               </a:ext>
             </a:extLst>
           </p:cNvPr>
@@ -504,7 +504,7 @@
           <a:bodyPr/>
           <a:lstStyle/>
           <a:p>
-            <a:fld id="{46ED05AC-80C4-4AFD-9266-1019A2E3A2F9}" type="slidenum">
+            <a:fld id="{EA56D18F-9A25-41C1-8B41-0E46C40745A3}" type="slidenum">
               <a:rPr lang="zh-CN" altLang="en-US" smtClean="0"/>
               <a:t>‹#›</a:t>
             </a:fld>
@@ -515,7 +515,7 @@
     </p:spTree>
     <p:extLst>
       <p:ext uri="{BB962C8B-B14F-4D97-AF65-F5344CB8AC3E}">
-        <p14:creationId xmlns:p14="http://schemas.microsoft.com/office/powerpoint/2010/main" val="3312617705"/>
+        <p14:creationId xmlns:p14="http://schemas.microsoft.com/office/powerpoint/2010/main" val="4063236970"/>
       </p:ext>
     </p:extLst>
   </p:cSld>
@@ -547,7 +547,7 @@
           <p:cNvPr id="2" name="竖排标题 1">
             <a:extLst>
               <a:ext uri="{FF2B5EF4-FFF2-40B4-BE49-F238E27FC236}">
-                <a16:creationId xmlns:a16="http://schemas.microsoft.com/office/drawing/2014/main" id="{C384F21E-76F3-6093-F435-CE94F2E133F7}"/>
+                <a16:creationId xmlns:a16="http://schemas.microsoft.com/office/drawing/2014/main" id="{22B74A34-9976-BEC0-4428-F1FF329F219D}"/>
               </a:ext>
             </a:extLst>
           </p:cNvPr>
@@ -580,7 +580,7 @@
           <p:cNvPr id="3" name="竖排文字占位符 2">
             <a:extLst>
               <a:ext uri="{FF2B5EF4-FFF2-40B4-BE49-F238E27FC236}">
-                <a16:creationId xmlns:a16="http://schemas.microsoft.com/office/drawing/2014/main" id="{979C4E71-4FC5-12C5-0E3E-2C9212658B33}"/>
+                <a16:creationId xmlns:a16="http://schemas.microsoft.com/office/drawing/2014/main" id="{20F3F14F-7E58-3B7D-49FB-0AA5DAF2BD60}"/>
               </a:ext>
             </a:extLst>
           </p:cNvPr>
@@ -642,7 +642,7 @@
           <p:cNvPr id="4" name="日期占位符 3">
             <a:extLst>
               <a:ext uri="{FF2B5EF4-FFF2-40B4-BE49-F238E27FC236}">
-                <a16:creationId xmlns:a16="http://schemas.microsoft.com/office/drawing/2014/main" id="{E7CDD421-4B0D-B576-FD8A-23F6BB2F8C6C}"/>
+                <a16:creationId xmlns:a16="http://schemas.microsoft.com/office/drawing/2014/main" id="{61EF5D0F-4E53-6F1E-991F-C0EC74965BB6}"/>
               </a:ext>
             </a:extLst>
           </p:cNvPr>
@@ -658,7 +658,7 @@
           <a:bodyPr/>
           <a:lstStyle/>
           <a:p>
-            <a:fld id="{CE32B389-7A98-4B9C-B3EF-B2436EF76DD5}" type="datetimeFigureOut">
+            <a:fld id="{29AD8CF3-C051-4522-A793-C9DE73AF9CC1}" type="datetimeFigureOut">
               <a:rPr lang="zh-CN" altLang="en-US" smtClean="0"/>
               <a:t>2024/3/10</a:t>
             </a:fld>
@@ -671,7 +671,7 @@
           <p:cNvPr id="5" name="页脚占位符 4">
             <a:extLst>
               <a:ext uri="{FF2B5EF4-FFF2-40B4-BE49-F238E27FC236}">
-                <a16:creationId xmlns:a16="http://schemas.microsoft.com/office/drawing/2014/main" id="{903E57A0-C29C-6297-A404-4E40B18EA656}"/>
+                <a16:creationId xmlns:a16="http://schemas.microsoft.com/office/drawing/2014/main" id="{71CCBAF8-4632-CD93-BBF5-225847248F7D}"/>
               </a:ext>
             </a:extLst>
           </p:cNvPr>
@@ -696,7 +696,7 @@
           <p:cNvPr id="6" name="灯片编号占位符 5">
             <a:extLst>
               <a:ext uri="{FF2B5EF4-FFF2-40B4-BE49-F238E27FC236}">
-                <a16:creationId xmlns:a16="http://schemas.microsoft.com/office/drawing/2014/main" id="{32E613C3-E5EB-FB14-73C4-A4988B2F2DAE}"/>
+                <a16:creationId xmlns:a16="http://schemas.microsoft.com/office/drawing/2014/main" id="{7CA1BCF6-A8E1-0104-B4F3-FD579D7FC234}"/>
               </a:ext>
             </a:extLst>
           </p:cNvPr>
@@ -712,7 +712,7 @@
           <a:bodyPr/>
           <a:lstStyle/>
           <a:p>
-            <a:fld id="{46ED05AC-80C4-4AFD-9266-1019A2E3A2F9}" type="slidenum">
+            <a:fld id="{EA56D18F-9A25-41C1-8B41-0E46C40745A3}" type="slidenum">
               <a:rPr lang="zh-CN" altLang="en-US" smtClean="0"/>
               <a:t>‹#›</a:t>
             </a:fld>
@@ -723,7 +723,7 @@
     </p:spTree>
     <p:extLst>
       <p:ext uri="{BB962C8B-B14F-4D97-AF65-F5344CB8AC3E}">
-        <p14:creationId xmlns:p14="http://schemas.microsoft.com/office/powerpoint/2010/main" val="2026535240"/>
+        <p14:creationId xmlns:p14="http://schemas.microsoft.com/office/powerpoint/2010/main" val="3665993389"/>
       </p:ext>
     </p:extLst>
   </p:cSld>
@@ -755,7 +755,7 @@
           <p:cNvPr id="2" name="标题 1">
             <a:extLst>
               <a:ext uri="{FF2B5EF4-FFF2-40B4-BE49-F238E27FC236}">
-                <a16:creationId xmlns:a16="http://schemas.microsoft.com/office/drawing/2014/main" id="{A0D420FB-DAD1-7491-3D8C-35DF6E2515A8}"/>
+                <a16:creationId xmlns:a16="http://schemas.microsoft.com/office/drawing/2014/main" id="{41481392-E369-A639-FAD6-5D0400F0F3C0}"/>
               </a:ext>
             </a:extLst>
           </p:cNvPr>
@@ -783,7 +783,7 @@
           <p:cNvPr id="3" name="内容占位符 2">
             <a:extLst>
               <a:ext uri="{FF2B5EF4-FFF2-40B4-BE49-F238E27FC236}">
-                <a16:creationId xmlns:a16="http://schemas.microsoft.com/office/drawing/2014/main" id="{731F2C1B-E4F1-C24D-13DC-0A582C9C09E8}"/>
+                <a16:creationId xmlns:a16="http://schemas.microsoft.com/office/drawing/2014/main" id="{7A34E1F6-6BE5-E424-FC7C-43BBD625E520}"/>
               </a:ext>
             </a:extLst>
           </p:cNvPr>
@@ -840,7 +840,7 @@
           <p:cNvPr id="4" name="日期占位符 3">
             <a:extLst>
               <a:ext uri="{FF2B5EF4-FFF2-40B4-BE49-F238E27FC236}">
-                <a16:creationId xmlns:a16="http://schemas.microsoft.com/office/drawing/2014/main" id="{02C1F614-4D05-9FA7-3734-4EBEAC5EC86C}"/>
+                <a16:creationId xmlns:a16="http://schemas.microsoft.com/office/drawing/2014/main" id="{9114B00A-9560-3490-BC81-F8CB0ACCAEBE}"/>
               </a:ext>
             </a:extLst>
           </p:cNvPr>
@@ -856,7 +856,7 @@
           <a:bodyPr/>
           <a:lstStyle/>
           <a:p>
-            <a:fld id="{CE32B389-7A98-4B9C-B3EF-B2436EF76DD5}" type="datetimeFigureOut">
+            <a:fld id="{29AD8CF3-C051-4522-A793-C9DE73AF9CC1}" type="datetimeFigureOut">
               <a:rPr lang="zh-CN" altLang="en-US" smtClean="0"/>
               <a:t>2024/3/10</a:t>
             </a:fld>
@@ -869,7 +869,7 @@
           <p:cNvPr id="5" name="页脚占位符 4">
             <a:extLst>
               <a:ext uri="{FF2B5EF4-FFF2-40B4-BE49-F238E27FC236}">
-                <a16:creationId xmlns:a16="http://schemas.microsoft.com/office/drawing/2014/main" id="{AFB5C476-1097-8F9A-15FE-4AE251FBAB6B}"/>
+                <a16:creationId xmlns:a16="http://schemas.microsoft.com/office/drawing/2014/main" id="{73288401-0CC7-77B2-078A-B645FFD502FA}"/>
               </a:ext>
             </a:extLst>
           </p:cNvPr>
@@ -894,7 +894,7 @@
           <p:cNvPr id="6" name="灯片编号占位符 5">
             <a:extLst>
               <a:ext uri="{FF2B5EF4-FFF2-40B4-BE49-F238E27FC236}">
-                <a16:creationId xmlns:a16="http://schemas.microsoft.com/office/drawing/2014/main" id="{92323EB9-BDF3-3CD7-DD50-3C9DA9E29CB4}"/>
+                <a16:creationId xmlns:a16="http://schemas.microsoft.com/office/drawing/2014/main" id="{ACB0509C-0830-2196-DD9A-163807C971C1}"/>
               </a:ext>
             </a:extLst>
           </p:cNvPr>
@@ -910,7 +910,7 @@
           <a:bodyPr/>
           <a:lstStyle/>
           <a:p>
-            <a:fld id="{46ED05AC-80C4-4AFD-9266-1019A2E3A2F9}" type="slidenum">
+            <a:fld id="{EA56D18F-9A25-41C1-8B41-0E46C40745A3}" type="slidenum">
               <a:rPr lang="zh-CN" altLang="en-US" smtClean="0"/>
               <a:t>‹#›</a:t>
             </a:fld>
@@ -921,7 +921,7 @@
     </p:spTree>
     <p:extLst>
       <p:ext uri="{BB962C8B-B14F-4D97-AF65-F5344CB8AC3E}">
-        <p14:creationId xmlns:p14="http://schemas.microsoft.com/office/powerpoint/2010/main" val="3350656304"/>
+        <p14:creationId xmlns:p14="http://schemas.microsoft.com/office/powerpoint/2010/main" val="1728780162"/>
       </p:ext>
     </p:extLst>
   </p:cSld>
@@ -953,7 +953,7 @@
           <p:cNvPr id="2" name="标题 1">
             <a:extLst>
               <a:ext uri="{FF2B5EF4-FFF2-40B4-BE49-F238E27FC236}">
-                <a16:creationId xmlns:a16="http://schemas.microsoft.com/office/drawing/2014/main" id="{E37BFF98-E3DA-71F7-9756-10B4870EC939}"/>
+                <a16:creationId xmlns:a16="http://schemas.microsoft.com/office/drawing/2014/main" id="{CC838629-AA01-3A2C-250C-4B5015DF22D4}"/>
               </a:ext>
             </a:extLst>
           </p:cNvPr>
@@ -990,7 +990,7 @@
           <p:cNvPr id="3" name="文本占位符 2">
             <a:extLst>
               <a:ext uri="{FF2B5EF4-FFF2-40B4-BE49-F238E27FC236}">
-                <a16:creationId xmlns:a16="http://schemas.microsoft.com/office/drawing/2014/main" id="{60B9844D-7705-7080-86C6-FF4D7817B041}"/>
+                <a16:creationId xmlns:a16="http://schemas.microsoft.com/office/drawing/2014/main" id="{5DF62C1E-595C-8719-AC2A-E53C9601B382}"/>
               </a:ext>
             </a:extLst>
           </p:cNvPr>
@@ -1115,7 +1115,7 @@
           <p:cNvPr id="4" name="日期占位符 3">
             <a:extLst>
               <a:ext uri="{FF2B5EF4-FFF2-40B4-BE49-F238E27FC236}">
-                <a16:creationId xmlns:a16="http://schemas.microsoft.com/office/drawing/2014/main" id="{5EC2F0F5-2B0E-F361-650E-5B472C9AB02A}"/>
+                <a16:creationId xmlns:a16="http://schemas.microsoft.com/office/drawing/2014/main" id="{83DC047D-B17D-05F6-207F-CCEDF69922B6}"/>
               </a:ext>
             </a:extLst>
           </p:cNvPr>
@@ -1131,7 +1131,7 @@
           <a:bodyPr/>
           <a:lstStyle/>
           <a:p>
-            <a:fld id="{CE32B389-7A98-4B9C-B3EF-B2436EF76DD5}" type="datetimeFigureOut">
+            <a:fld id="{29AD8CF3-C051-4522-A793-C9DE73AF9CC1}" type="datetimeFigureOut">
               <a:rPr lang="zh-CN" altLang="en-US" smtClean="0"/>
               <a:t>2024/3/10</a:t>
             </a:fld>
@@ -1144,7 +1144,7 @@
           <p:cNvPr id="5" name="页脚占位符 4">
             <a:extLst>
               <a:ext uri="{FF2B5EF4-FFF2-40B4-BE49-F238E27FC236}">
-                <a16:creationId xmlns:a16="http://schemas.microsoft.com/office/drawing/2014/main" id="{834FD14F-4F98-070E-3B69-4F21B399F975}"/>
+                <a16:creationId xmlns:a16="http://schemas.microsoft.com/office/drawing/2014/main" id="{24015A57-1312-C036-562C-A252F1A5EBF3}"/>
               </a:ext>
             </a:extLst>
           </p:cNvPr>
@@ -1169,7 +1169,7 @@
           <p:cNvPr id="6" name="灯片编号占位符 5">
             <a:extLst>
               <a:ext uri="{FF2B5EF4-FFF2-40B4-BE49-F238E27FC236}">
-                <a16:creationId xmlns:a16="http://schemas.microsoft.com/office/drawing/2014/main" id="{8DA36845-9923-3FDE-BEFE-178E21217F53}"/>
+                <a16:creationId xmlns:a16="http://schemas.microsoft.com/office/drawing/2014/main" id="{0E720A90-B247-867C-4A37-61428391AF3A}"/>
               </a:ext>
             </a:extLst>
           </p:cNvPr>
@@ -1185,7 +1185,7 @@
           <a:bodyPr/>
           <a:lstStyle/>
           <a:p>
-            <a:fld id="{46ED05AC-80C4-4AFD-9266-1019A2E3A2F9}" type="slidenum">
+            <a:fld id="{EA56D18F-9A25-41C1-8B41-0E46C40745A3}" type="slidenum">
               <a:rPr lang="zh-CN" altLang="en-US" smtClean="0"/>
               <a:t>‹#›</a:t>
             </a:fld>
@@ -1196,7 +1196,7 @@
     </p:spTree>
     <p:extLst>
       <p:ext uri="{BB962C8B-B14F-4D97-AF65-F5344CB8AC3E}">
-        <p14:creationId xmlns:p14="http://schemas.microsoft.com/office/powerpoint/2010/main" val="2252966582"/>
+        <p14:creationId xmlns:p14="http://schemas.microsoft.com/office/powerpoint/2010/main" val="1795301910"/>
       </p:ext>
     </p:extLst>
   </p:cSld>
@@ -1228,7 +1228,7 @@
           <p:cNvPr id="2" name="标题 1">
             <a:extLst>
               <a:ext uri="{FF2B5EF4-FFF2-40B4-BE49-F238E27FC236}">
-                <a16:creationId xmlns:a16="http://schemas.microsoft.com/office/drawing/2014/main" id="{EF7CAC29-EF43-24A4-8BCD-AF8CE5221444}"/>
+                <a16:creationId xmlns:a16="http://schemas.microsoft.com/office/drawing/2014/main" id="{967586E5-2633-A33F-4A49-76F32DF39374}"/>
               </a:ext>
             </a:extLst>
           </p:cNvPr>
@@ -1256,7 +1256,7 @@
           <p:cNvPr id="3" name="内容占位符 2">
             <a:extLst>
               <a:ext uri="{FF2B5EF4-FFF2-40B4-BE49-F238E27FC236}">
-                <a16:creationId xmlns:a16="http://schemas.microsoft.com/office/drawing/2014/main" id="{E71199A5-11C5-E5C8-0611-FE53BE90096E}"/>
+                <a16:creationId xmlns:a16="http://schemas.microsoft.com/office/drawing/2014/main" id="{7D8B56CB-95D1-8F78-1A66-0E3EF4658E3B}"/>
               </a:ext>
             </a:extLst>
           </p:cNvPr>
@@ -1318,7 +1318,7 @@
           <p:cNvPr id="4" name="内容占位符 3">
             <a:extLst>
               <a:ext uri="{FF2B5EF4-FFF2-40B4-BE49-F238E27FC236}">
-                <a16:creationId xmlns:a16="http://schemas.microsoft.com/office/drawing/2014/main" id="{595F964B-7C06-70F6-1ECC-E47123E9D33D}"/>
+                <a16:creationId xmlns:a16="http://schemas.microsoft.com/office/drawing/2014/main" id="{4A2F367A-9CD3-7F2B-D115-3163F65B2808}"/>
               </a:ext>
             </a:extLst>
           </p:cNvPr>
@@ -1380,7 +1380,7 @@
           <p:cNvPr id="5" name="日期占位符 4">
             <a:extLst>
               <a:ext uri="{FF2B5EF4-FFF2-40B4-BE49-F238E27FC236}">
-                <a16:creationId xmlns:a16="http://schemas.microsoft.com/office/drawing/2014/main" id="{2F7554AE-5CC9-DB76-C6E0-8CEEBE73974B}"/>
+                <a16:creationId xmlns:a16="http://schemas.microsoft.com/office/drawing/2014/main" id="{A7712D3B-F453-BDA7-7C85-DA7C3BCECDB4}"/>
               </a:ext>
             </a:extLst>
           </p:cNvPr>
@@ -1396,7 +1396,7 @@
           <a:bodyPr/>
           <a:lstStyle/>
           <a:p>
-            <a:fld id="{CE32B389-7A98-4B9C-B3EF-B2436EF76DD5}" type="datetimeFigureOut">
+            <a:fld id="{29AD8CF3-C051-4522-A793-C9DE73AF9CC1}" type="datetimeFigureOut">
               <a:rPr lang="zh-CN" altLang="en-US" smtClean="0"/>
               <a:t>2024/3/10</a:t>
             </a:fld>
@@ -1409,7 +1409,7 @@
           <p:cNvPr id="6" name="页脚占位符 5">
             <a:extLst>
               <a:ext uri="{FF2B5EF4-FFF2-40B4-BE49-F238E27FC236}">
-                <a16:creationId xmlns:a16="http://schemas.microsoft.com/office/drawing/2014/main" id="{2BDEFBB0-2B76-7B1C-CC47-AB088EE3449E}"/>
+                <a16:creationId xmlns:a16="http://schemas.microsoft.com/office/drawing/2014/main" id="{F4A4E1FC-F9C1-58AD-A6E1-B6884E276EA0}"/>
               </a:ext>
             </a:extLst>
           </p:cNvPr>
@@ -1434,7 +1434,7 @@
           <p:cNvPr id="7" name="灯片编号占位符 6">
             <a:extLst>
               <a:ext uri="{FF2B5EF4-FFF2-40B4-BE49-F238E27FC236}">
-                <a16:creationId xmlns:a16="http://schemas.microsoft.com/office/drawing/2014/main" id="{E904FFD8-FA83-FD6A-8D0D-E0DC08877626}"/>
+                <a16:creationId xmlns:a16="http://schemas.microsoft.com/office/drawing/2014/main" id="{A3A28078-3C26-1E8F-0829-353FC1B6C3F6}"/>
               </a:ext>
             </a:extLst>
           </p:cNvPr>
@@ -1450,7 +1450,7 @@
           <a:bodyPr/>
           <a:lstStyle/>
           <a:p>
-            <a:fld id="{46ED05AC-80C4-4AFD-9266-1019A2E3A2F9}" type="slidenum">
+            <a:fld id="{EA56D18F-9A25-41C1-8B41-0E46C40745A3}" type="slidenum">
               <a:rPr lang="zh-CN" altLang="en-US" smtClean="0"/>
               <a:t>‹#›</a:t>
             </a:fld>
@@ -1461,7 +1461,7 @@
     </p:spTree>
     <p:extLst>
       <p:ext uri="{BB962C8B-B14F-4D97-AF65-F5344CB8AC3E}">
-        <p14:creationId xmlns:p14="http://schemas.microsoft.com/office/powerpoint/2010/main" val="809624636"/>
+        <p14:creationId xmlns:p14="http://schemas.microsoft.com/office/powerpoint/2010/main" val="3119679241"/>
       </p:ext>
     </p:extLst>
   </p:cSld>
@@ -1493,7 +1493,7 @@
           <p:cNvPr id="2" name="标题 1">
             <a:extLst>
               <a:ext uri="{FF2B5EF4-FFF2-40B4-BE49-F238E27FC236}">
-                <a16:creationId xmlns:a16="http://schemas.microsoft.com/office/drawing/2014/main" id="{64EBEDB2-0DF5-881B-BB6B-618A0A121212}"/>
+                <a16:creationId xmlns:a16="http://schemas.microsoft.com/office/drawing/2014/main" id="{5F1EF6E0-C6BB-F62D-8FFB-4C7053A53A4E}"/>
               </a:ext>
             </a:extLst>
           </p:cNvPr>
@@ -1526,7 +1526,7 @@
           <p:cNvPr id="3" name="文本占位符 2">
             <a:extLst>
               <a:ext uri="{FF2B5EF4-FFF2-40B4-BE49-F238E27FC236}">
-                <a16:creationId xmlns:a16="http://schemas.microsoft.com/office/drawing/2014/main" id="{A38781F8-DAF7-49DA-0C5C-FFE55A230E32}"/>
+                <a16:creationId xmlns:a16="http://schemas.microsoft.com/office/drawing/2014/main" id="{EDB0689C-E1B2-C8D2-6186-1390BDA0E094}"/>
               </a:ext>
             </a:extLst>
           </p:cNvPr>
@@ -1597,7 +1597,7 @@
           <p:cNvPr id="4" name="内容占位符 3">
             <a:extLst>
               <a:ext uri="{FF2B5EF4-FFF2-40B4-BE49-F238E27FC236}">
-                <a16:creationId xmlns:a16="http://schemas.microsoft.com/office/drawing/2014/main" id="{8AB517DF-C7B2-83C2-0254-13D0A115CF7B}"/>
+                <a16:creationId xmlns:a16="http://schemas.microsoft.com/office/drawing/2014/main" id="{3CA8EEC3-9CFB-B567-BE12-05578DDD6AD2}"/>
               </a:ext>
             </a:extLst>
           </p:cNvPr>
@@ -1659,7 +1659,7 @@
           <p:cNvPr id="5" name="文本占位符 4">
             <a:extLst>
               <a:ext uri="{FF2B5EF4-FFF2-40B4-BE49-F238E27FC236}">
-                <a16:creationId xmlns:a16="http://schemas.microsoft.com/office/drawing/2014/main" id="{5582DCB5-1C22-DE1A-5C08-47FE09EB722B}"/>
+                <a16:creationId xmlns:a16="http://schemas.microsoft.com/office/drawing/2014/main" id="{B751BA4B-AD77-02F0-C944-300DD3F39289}"/>
               </a:ext>
             </a:extLst>
           </p:cNvPr>
@@ -1730,7 +1730,7 @@
           <p:cNvPr id="6" name="内容占位符 5">
             <a:extLst>
               <a:ext uri="{FF2B5EF4-FFF2-40B4-BE49-F238E27FC236}">
-                <a16:creationId xmlns:a16="http://schemas.microsoft.com/office/drawing/2014/main" id="{006BAA84-3F49-487C-B296-A8E493AA77BA}"/>
+                <a16:creationId xmlns:a16="http://schemas.microsoft.com/office/drawing/2014/main" id="{8F0DF570-BD92-4B94-7E7F-D0D3E854868D}"/>
               </a:ext>
             </a:extLst>
           </p:cNvPr>
@@ -1792,7 +1792,7 @@
           <p:cNvPr id="7" name="日期占位符 6">
             <a:extLst>
               <a:ext uri="{FF2B5EF4-FFF2-40B4-BE49-F238E27FC236}">
-                <a16:creationId xmlns:a16="http://schemas.microsoft.com/office/drawing/2014/main" id="{F4AC11D3-7F4E-C36C-6E91-8A036DC7204F}"/>
+                <a16:creationId xmlns:a16="http://schemas.microsoft.com/office/drawing/2014/main" id="{BE912C4C-7268-5473-2E4D-040D4165D4BE}"/>
               </a:ext>
             </a:extLst>
           </p:cNvPr>
@@ -1808,7 +1808,7 @@
           <a:bodyPr/>
           <a:lstStyle/>
           <a:p>
-            <a:fld id="{CE32B389-7A98-4B9C-B3EF-B2436EF76DD5}" type="datetimeFigureOut">
+            <a:fld id="{29AD8CF3-C051-4522-A793-C9DE73AF9CC1}" type="datetimeFigureOut">
               <a:rPr lang="zh-CN" altLang="en-US" smtClean="0"/>
               <a:t>2024/3/10</a:t>
             </a:fld>
@@ -1821,7 +1821,7 @@
           <p:cNvPr id="8" name="页脚占位符 7">
             <a:extLst>
               <a:ext uri="{FF2B5EF4-FFF2-40B4-BE49-F238E27FC236}">
-                <a16:creationId xmlns:a16="http://schemas.microsoft.com/office/drawing/2014/main" id="{22C8FB64-03D8-D483-D589-55F6386168D1}"/>
+                <a16:creationId xmlns:a16="http://schemas.microsoft.com/office/drawing/2014/main" id="{738C2979-02D0-7982-D5DA-A5E6EC7AAAD7}"/>
               </a:ext>
             </a:extLst>
           </p:cNvPr>
@@ -1846,7 +1846,7 @@
           <p:cNvPr id="9" name="灯片编号占位符 8">
             <a:extLst>
               <a:ext uri="{FF2B5EF4-FFF2-40B4-BE49-F238E27FC236}">
-                <a16:creationId xmlns:a16="http://schemas.microsoft.com/office/drawing/2014/main" id="{C92511DF-8E4D-1726-AFDB-E66CB255599C}"/>
+                <a16:creationId xmlns:a16="http://schemas.microsoft.com/office/drawing/2014/main" id="{04BFFD48-0801-71C9-5089-67F4026EA7EF}"/>
               </a:ext>
             </a:extLst>
           </p:cNvPr>
@@ -1862,7 +1862,7 @@
           <a:bodyPr/>
           <a:lstStyle/>
           <a:p>
-            <a:fld id="{46ED05AC-80C4-4AFD-9266-1019A2E3A2F9}" type="slidenum">
+            <a:fld id="{EA56D18F-9A25-41C1-8B41-0E46C40745A3}" type="slidenum">
               <a:rPr lang="zh-CN" altLang="en-US" smtClean="0"/>
               <a:t>‹#›</a:t>
             </a:fld>
@@ -1873,7 +1873,7 @@
     </p:spTree>
     <p:extLst>
       <p:ext uri="{BB962C8B-B14F-4D97-AF65-F5344CB8AC3E}">
-        <p14:creationId xmlns:p14="http://schemas.microsoft.com/office/powerpoint/2010/main" val="4178442832"/>
+        <p14:creationId xmlns:p14="http://schemas.microsoft.com/office/powerpoint/2010/main" val="3081815913"/>
       </p:ext>
     </p:extLst>
   </p:cSld>
@@ -1905,7 +1905,7 @@
           <p:cNvPr id="2" name="标题 1">
             <a:extLst>
               <a:ext uri="{FF2B5EF4-FFF2-40B4-BE49-F238E27FC236}">
-                <a16:creationId xmlns:a16="http://schemas.microsoft.com/office/drawing/2014/main" id="{BE2F4DB4-11FF-4627-7E11-FFD5477C2F52}"/>
+                <a16:creationId xmlns:a16="http://schemas.microsoft.com/office/drawing/2014/main" id="{FCDB783B-8D64-11E2-DFCD-8F71CD47955C}"/>
               </a:ext>
             </a:extLst>
           </p:cNvPr>
@@ -1933,7 +1933,7 @@
           <p:cNvPr id="3" name="日期占位符 2">
             <a:extLst>
               <a:ext uri="{FF2B5EF4-FFF2-40B4-BE49-F238E27FC236}">
-                <a16:creationId xmlns:a16="http://schemas.microsoft.com/office/drawing/2014/main" id="{40B6E61D-3964-54BB-4956-A9075ED6F1CB}"/>
+                <a16:creationId xmlns:a16="http://schemas.microsoft.com/office/drawing/2014/main" id="{3C8B4A1A-4EDD-D03A-633B-B66D3A68C36C}"/>
               </a:ext>
             </a:extLst>
           </p:cNvPr>
@@ -1949,7 +1949,7 @@
           <a:bodyPr/>
           <a:lstStyle/>
           <a:p>
-            <a:fld id="{CE32B389-7A98-4B9C-B3EF-B2436EF76DD5}" type="datetimeFigureOut">
+            <a:fld id="{29AD8CF3-C051-4522-A793-C9DE73AF9CC1}" type="datetimeFigureOut">
               <a:rPr lang="zh-CN" altLang="en-US" smtClean="0"/>
               <a:t>2024/3/10</a:t>
             </a:fld>
@@ -1962,7 +1962,7 @@
           <p:cNvPr id="4" name="页脚占位符 3">
             <a:extLst>
               <a:ext uri="{FF2B5EF4-FFF2-40B4-BE49-F238E27FC236}">
-                <a16:creationId xmlns:a16="http://schemas.microsoft.com/office/drawing/2014/main" id="{335C63F4-B48B-B849-D39B-48B29F9FCA51}"/>
+                <a16:creationId xmlns:a16="http://schemas.microsoft.com/office/drawing/2014/main" id="{81E79C86-7BA5-ACA9-96E2-EFA0000F1D58}"/>
               </a:ext>
             </a:extLst>
           </p:cNvPr>
@@ -1987,7 +1987,7 @@
           <p:cNvPr id="5" name="灯片编号占位符 4">
             <a:extLst>
               <a:ext uri="{FF2B5EF4-FFF2-40B4-BE49-F238E27FC236}">
-                <a16:creationId xmlns:a16="http://schemas.microsoft.com/office/drawing/2014/main" id="{2B2AB937-319F-8502-DE62-2696FADE925F}"/>
+                <a16:creationId xmlns:a16="http://schemas.microsoft.com/office/drawing/2014/main" id="{13D08532-6143-DA04-4F96-3D797C392100}"/>
               </a:ext>
             </a:extLst>
           </p:cNvPr>
@@ -2003,7 +2003,7 @@
           <a:bodyPr/>
           <a:lstStyle/>
           <a:p>
-            <a:fld id="{46ED05AC-80C4-4AFD-9266-1019A2E3A2F9}" type="slidenum">
+            <a:fld id="{EA56D18F-9A25-41C1-8B41-0E46C40745A3}" type="slidenum">
               <a:rPr lang="zh-CN" altLang="en-US" smtClean="0"/>
               <a:t>‹#›</a:t>
             </a:fld>
@@ -2014,7 +2014,7 @@
     </p:spTree>
     <p:extLst>
       <p:ext uri="{BB962C8B-B14F-4D97-AF65-F5344CB8AC3E}">
-        <p14:creationId xmlns:p14="http://schemas.microsoft.com/office/powerpoint/2010/main" val="468690398"/>
+        <p14:creationId xmlns:p14="http://schemas.microsoft.com/office/powerpoint/2010/main" val="613464280"/>
       </p:ext>
     </p:extLst>
   </p:cSld>
@@ -2046,7 +2046,7 @@
           <p:cNvPr id="2" name="日期占位符 1">
             <a:extLst>
               <a:ext uri="{FF2B5EF4-FFF2-40B4-BE49-F238E27FC236}">
-                <a16:creationId xmlns:a16="http://schemas.microsoft.com/office/drawing/2014/main" id="{D06BD5B0-5F68-702C-0912-346AF4F8B4F7}"/>
+                <a16:creationId xmlns:a16="http://schemas.microsoft.com/office/drawing/2014/main" id="{F7D9A4CA-A445-02D8-BC65-154EDDD7F304}"/>
               </a:ext>
             </a:extLst>
           </p:cNvPr>
@@ -2062,7 +2062,7 @@
           <a:bodyPr/>
           <a:lstStyle/>
           <a:p>
-            <a:fld id="{CE32B389-7A98-4B9C-B3EF-B2436EF76DD5}" type="datetimeFigureOut">
+            <a:fld id="{29AD8CF3-C051-4522-A793-C9DE73AF9CC1}" type="datetimeFigureOut">
               <a:rPr lang="zh-CN" altLang="en-US" smtClean="0"/>
               <a:t>2024/3/10</a:t>
             </a:fld>
@@ -2075,7 +2075,7 @@
           <p:cNvPr id="3" name="页脚占位符 2">
             <a:extLst>
               <a:ext uri="{FF2B5EF4-FFF2-40B4-BE49-F238E27FC236}">
-                <a16:creationId xmlns:a16="http://schemas.microsoft.com/office/drawing/2014/main" id="{8F3FF048-AC71-F884-4047-FE9F1F4F3401}"/>
+                <a16:creationId xmlns:a16="http://schemas.microsoft.com/office/drawing/2014/main" id="{CDEDD3D5-19BF-0290-6821-43D7B80394AC}"/>
               </a:ext>
             </a:extLst>
           </p:cNvPr>
@@ -2100,7 +2100,7 @@
           <p:cNvPr id="4" name="灯片编号占位符 3">
             <a:extLst>
               <a:ext uri="{FF2B5EF4-FFF2-40B4-BE49-F238E27FC236}">
-                <a16:creationId xmlns:a16="http://schemas.microsoft.com/office/drawing/2014/main" id="{B1011D84-C547-9836-FC0B-6B8395F69371}"/>
+                <a16:creationId xmlns:a16="http://schemas.microsoft.com/office/drawing/2014/main" id="{DBFB39D5-77BB-E37D-F3D9-9C5A02594385}"/>
               </a:ext>
             </a:extLst>
           </p:cNvPr>
@@ -2116,7 +2116,7 @@
           <a:bodyPr/>
           <a:lstStyle/>
           <a:p>
-            <a:fld id="{46ED05AC-80C4-4AFD-9266-1019A2E3A2F9}" type="slidenum">
+            <a:fld id="{EA56D18F-9A25-41C1-8B41-0E46C40745A3}" type="slidenum">
               <a:rPr lang="zh-CN" altLang="en-US" smtClean="0"/>
               <a:t>‹#›</a:t>
             </a:fld>
@@ -2127,7 +2127,7 @@
     </p:spTree>
     <p:extLst>
       <p:ext uri="{BB962C8B-B14F-4D97-AF65-F5344CB8AC3E}">
-        <p14:creationId xmlns:p14="http://schemas.microsoft.com/office/powerpoint/2010/main" val="1373761382"/>
+        <p14:creationId xmlns:p14="http://schemas.microsoft.com/office/powerpoint/2010/main" val="994758288"/>
       </p:ext>
     </p:extLst>
   </p:cSld>
@@ -2159,7 +2159,7 @@
           <p:cNvPr id="2" name="标题 1">
             <a:extLst>
               <a:ext uri="{FF2B5EF4-FFF2-40B4-BE49-F238E27FC236}">
-                <a16:creationId xmlns:a16="http://schemas.microsoft.com/office/drawing/2014/main" id="{43BD1217-C0DD-BF27-030C-BF6DD024E12F}"/>
+                <a16:creationId xmlns:a16="http://schemas.microsoft.com/office/drawing/2014/main" id="{B700802F-B40A-9628-5462-B4956D738624}"/>
               </a:ext>
             </a:extLst>
           </p:cNvPr>
@@ -2196,7 +2196,7 @@
           <p:cNvPr id="3" name="内容占位符 2">
             <a:extLst>
               <a:ext uri="{FF2B5EF4-FFF2-40B4-BE49-F238E27FC236}">
-                <a16:creationId xmlns:a16="http://schemas.microsoft.com/office/drawing/2014/main" id="{FE3C7DFF-2A6D-189E-376F-05EFBB6785D5}"/>
+                <a16:creationId xmlns:a16="http://schemas.microsoft.com/office/drawing/2014/main" id="{858B08FD-0F56-9CF3-E5EE-4051A5DC2382}"/>
               </a:ext>
             </a:extLst>
           </p:cNvPr>
@@ -2286,7 +2286,7 @@
           <p:cNvPr id="4" name="文本占位符 3">
             <a:extLst>
               <a:ext uri="{FF2B5EF4-FFF2-40B4-BE49-F238E27FC236}">
-                <a16:creationId xmlns:a16="http://schemas.microsoft.com/office/drawing/2014/main" id="{41F819CD-E32B-2137-CEC4-B9DD44F3DF10}"/>
+                <a16:creationId xmlns:a16="http://schemas.microsoft.com/office/drawing/2014/main" id="{54239E0E-DAD9-0932-DDEC-3804EAC96D39}"/>
               </a:ext>
             </a:extLst>
           </p:cNvPr>
@@ -2357,7 +2357,7 @@
           <p:cNvPr id="5" name="日期占位符 4">
             <a:extLst>
               <a:ext uri="{FF2B5EF4-FFF2-40B4-BE49-F238E27FC236}">
-                <a16:creationId xmlns:a16="http://schemas.microsoft.com/office/drawing/2014/main" id="{1A506822-44FD-26CF-83E8-890187A4482C}"/>
+                <a16:creationId xmlns:a16="http://schemas.microsoft.com/office/drawing/2014/main" id="{5C7AE492-0C39-A501-4D25-062DAFA5FB68}"/>
               </a:ext>
             </a:extLst>
           </p:cNvPr>
@@ -2373,7 +2373,7 @@
           <a:bodyPr/>
           <a:lstStyle/>
           <a:p>
-            <a:fld id="{CE32B389-7A98-4B9C-B3EF-B2436EF76DD5}" type="datetimeFigureOut">
+            <a:fld id="{29AD8CF3-C051-4522-A793-C9DE73AF9CC1}" type="datetimeFigureOut">
               <a:rPr lang="zh-CN" altLang="en-US" smtClean="0"/>
               <a:t>2024/3/10</a:t>
             </a:fld>
@@ -2386,7 +2386,7 @@
           <p:cNvPr id="6" name="页脚占位符 5">
             <a:extLst>
               <a:ext uri="{FF2B5EF4-FFF2-40B4-BE49-F238E27FC236}">
-                <a16:creationId xmlns:a16="http://schemas.microsoft.com/office/drawing/2014/main" id="{1EAF3954-5A71-EA90-568D-00765898E08B}"/>
+                <a16:creationId xmlns:a16="http://schemas.microsoft.com/office/drawing/2014/main" id="{4E60AB87-676E-1EE6-15EC-A7997FFF0976}"/>
               </a:ext>
             </a:extLst>
           </p:cNvPr>
@@ -2411,7 +2411,7 @@
           <p:cNvPr id="7" name="灯片编号占位符 6">
             <a:extLst>
               <a:ext uri="{FF2B5EF4-FFF2-40B4-BE49-F238E27FC236}">
-                <a16:creationId xmlns:a16="http://schemas.microsoft.com/office/drawing/2014/main" id="{38F818A2-0C5B-0C1B-0E59-E90520A29628}"/>
+                <a16:creationId xmlns:a16="http://schemas.microsoft.com/office/drawing/2014/main" id="{86B6E1EF-724A-D339-502C-058D91239EA8}"/>
               </a:ext>
             </a:extLst>
           </p:cNvPr>
@@ -2427,7 +2427,7 @@
           <a:bodyPr/>
           <a:lstStyle/>
           <a:p>
-            <a:fld id="{46ED05AC-80C4-4AFD-9266-1019A2E3A2F9}" type="slidenum">
+            <a:fld id="{EA56D18F-9A25-41C1-8B41-0E46C40745A3}" type="slidenum">
               <a:rPr lang="zh-CN" altLang="en-US" smtClean="0"/>
               <a:t>‹#›</a:t>
             </a:fld>
@@ -2438,7 +2438,7 @@
     </p:spTree>
     <p:extLst>
       <p:ext uri="{BB962C8B-B14F-4D97-AF65-F5344CB8AC3E}">
-        <p14:creationId xmlns:p14="http://schemas.microsoft.com/office/powerpoint/2010/main" val="4040143690"/>
+        <p14:creationId xmlns:p14="http://schemas.microsoft.com/office/powerpoint/2010/main" val="1752066300"/>
       </p:ext>
     </p:extLst>
   </p:cSld>
@@ -2470,7 +2470,7 @@
           <p:cNvPr id="2" name="标题 1">
             <a:extLst>
               <a:ext uri="{FF2B5EF4-FFF2-40B4-BE49-F238E27FC236}">
-                <a16:creationId xmlns:a16="http://schemas.microsoft.com/office/drawing/2014/main" id="{699DCDCB-EEB9-550D-9F90-D336D28859D7}"/>
+                <a16:creationId xmlns:a16="http://schemas.microsoft.com/office/drawing/2014/main" id="{DF2DD539-96DB-B356-AB14-E1A380569E77}"/>
               </a:ext>
             </a:extLst>
           </p:cNvPr>
@@ -2507,7 +2507,7 @@
           <p:cNvPr id="3" name="图片占位符 2">
             <a:extLst>
               <a:ext uri="{FF2B5EF4-FFF2-40B4-BE49-F238E27FC236}">
-                <a16:creationId xmlns:a16="http://schemas.microsoft.com/office/drawing/2014/main" id="{2A944B5C-FAB5-7264-C8C5-619B959F8B3B}"/>
+                <a16:creationId xmlns:a16="http://schemas.microsoft.com/office/drawing/2014/main" id="{4F1BF22C-A871-3D32-6272-28EECFBCD784}"/>
               </a:ext>
             </a:extLst>
           </p:cNvPr>
@@ -2574,7 +2574,7 @@
           <p:cNvPr id="4" name="文本占位符 3">
             <a:extLst>
               <a:ext uri="{FF2B5EF4-FFF2-40B4-BE49-F238E27FC236}">
-                <a16:creationId xmlns:a16="http://schemas.microsoft.com/office/drawing/2014/main" id="{231277B6-E31A-BEA8-1309-EC47AEC480E5}"/>
+                <a16:creationId xmlns:a16="http://schemas.microsoft.com/office/drawing/2014/main" id="{12066A47-FD46-8581-9CD2-CBB915172779}"/>
               </a:ext>
             </a:extLst>
           </p:cNvPr>
@@ -2645,7 +2645,7 @@
           <p:cNvPr id="5" name="日期占位符 4">
             <a:extLst>
               <a:ext uri="{FF2B5EF4-FFF2-40B4-BE49-F238E27FC236}">
-                <a16:creationId xmlns:a16="http://schemas.microsoft.com/office/drawing/2014/main" id="{BF9F3869-2CFB-0606-878B-35E00171CF90}"/>
+                <a16:creationId xmlns:a16="http://schemas.microsoft.com/office/drawing/2014/main" id="{1A54C5D7-3AA2-328C-2F06-2266D9174841}"/>
               </a:ext>
             </a:extLst>
           </p:cNvPr>
@@ -2661,7 +2661,7 @@
           <a:bodyPr/>
           <a:lstStyle/>
           <a:p>
-            <a:fld id="{CE32B389-7A98-4B9C-B3EF-B2436EF76DD5}" type="datetimeFigureOut">
+            <a:fld id="{29AD8CF3-C051-4522-A793-C9DE73AF9CC1}" type="datetimeFigureOut">
               <a:rPr lang="zh-CN" altLang="en-US" smtClean="0"/>
               <a:t>2024/3/10</a:t>
             </a:fld>
@@ -2674,7 +2674,7 @@
           <p:cNvPr id="6" name="页脚占位符 5">
             <a:extLst>
               <a:ext uri="{FF2B5EF4-FFF2-40B4-BE49-F238E27FC236}">
-                <a16:creationId xmlns:a16="http://schemas.microsoft.com/office/drawing/2014/main" id="{1B9E883B-DACD-DAB0-F453-B1A502A441B7}"/>
+                <a16:creationId xmlns:a16="http://schemas.microsoft.com/office/drawing/2014/main" id="{A4BB239F-9FBA-F21F-6D42-38B2EF3F5B3E}"/>
               </a:ext>
             </a:extLst>
           </p:cNvPr>
@@ -2699,7 +2699,7 @@
           <p:cNvPr id="7" name="灯片编号占位符 6">
             <a:extLst>
               <a:ext uri="{FF2B5EF4-FFF2-40B4-BE49-F238E27FC236}">
-                <a16:creationId xmlns:a16="http://schemas.microsoft.com/office/drawing/2014/main" id="{1A729D45-5A5E-34AF-F05F-10909E122F4F}"/>
+                <a16:creationId xmlns:a16="http://schemas.microsoft.com/office/drawing/2014/main" id="{7D24FA59-A664-6845-AB96-5D62099C611E}"/>
               </a:ext>
             </a:extLst>
           </p:cNvPr>
@@ -2715,7 +2715,7 @@
           <a:bodyPr/>
           <a:lstStyle/>
           <a:p>
-            <a:fld id="{46ED05AC-80C4-4AFD-9266-1019A2E3A2F9}" type="slidenum">
+            <a:fld id="{EA56D18F-9A25-41C1-8B41-0E46C40745A3}" type="slidenum">
               <a:rPr lang="zh-CN" altLang="en-US" smtClean="0"/>
               <a:t>‹#›</a:t>
             </a:fld>
@@ -2726,7 +2726,7 @@
     </p:spTree>
     <p:extLst>
       <p:ext uri="{BB962C8B-B14F-4D97-AF65-F5344CB8AC3E}">
-        <p14:creationId xmlns:p14="http://schemas.microsoft.com/office/powerpoint/2010/main" val="3293204711"/>
+        <p14:creationId xmlns:p14="http://schemas.microsoft.com/office/powerpoint/2010/main" val="749523130"/>
       </p:ext>
     </p:extLst>
   </p:cSld>
@@ -2763,7 +2763,7 @@
           <p:cNvPr id="2" name="标题占位符 1">
             <a:extLst>
               <a:ext uri="{FF2B5EF4-FFF2-40B4-BE49-F238E27FC236}">
-                <a16:creationId xmlns:a16="http://schemas.microsoft.com/office/drawing/2014/main" id="{C479A933-89F9-CE93-6A45-87331FBB3175}"/>
+                <a16:creationId xmlns:a16="http://schemas.microsoft.com/office/drawing/2014/main" id="{829B692F-BEEB-39C3-C9B4-1AF6DD5DFAA9}"/>
               </a:ext>
             </a:extLst>
           </p:cNvPr>
@@ -2801,7 +2801,7 @@
           <p:cNvPr id="3" name="文本占位符 2">
             <a:extLst>
               <a:ext uri="{FF2B5EF4-FFF2-40B4-BE49-F238E27FC236}">
-                <a16:creationId xmlns:a16="http://schemas.microsoft.com/office/drawing/2014/main" id="{FAD5C11D-2884-C466-47EF-4C6AE449884E}"/>
+                <a16:creationId xmlns:a16="http://schemas.microsoft.com/office/drawing/2014/main" id="{4A9C1AAA-16FA-12D2-AA8E-21D6A4F6E222}"/>
               </a:ext>
             </a:extLst>
           </p:cNvPr>
@@ -2868,7 +2868,7 @@
           <p:cNvPr id="4" name="日期占位符 3">
             <a:extLst>
               <a:ext uri="{FF2B5EF4-FFF2-40B4-BE49-F238E27FC236}">
-                <a16:creationId xmlns:a16="http://schemas.microsoft.com/office/drawing/2014/main" id="{559E8238-4BEF-8D9A-68C8-93A78671F866}"/>
+                <a16:creationId xmlns:a16="http://schemas.microsoft.com/office/drawing/2014/main" id="{7B6B04E3-3FE2-E6BA-6179-DACD5E10D019}"/>
               </a:ext>
             </a:extLst>
           </p:cNvPr>
@@ -2902,7 +2902,7 @@
             </a:lvl1pPr>
           </a:lstStyle>
           <a:p>
-            <a:fld id="{CE32B389-7A98-4B9C-B3EF-B2436EF76DD5}" type="datetimeFigureOut">
+            <a:fld id="{29AD8CF3-C051-4522-A793-C9DE73AF9CC1}" type="datetimeFigureOut">
               <a:rPr lang="zh-CN" altLang="en-US" smtClean="0"/>
               <a:t>2024/3/10</a:t>
             </a:fld>
@@ -2915,7 +2915,7 @@
           <p:cNvPr id="5" name="页脚占位符 4">
             <a:extLst>
               <a:ext uri="{FF2B5EF4-FFF2-40B4-BE49-F238E27FC236}">
-                <a16:creationId xmlns:a16="http://schemas.microsoft.com/office/drawing/2014/main" id="{E8581A48-62C0-0D40-9C16-95652AF28CB4}"/>
+                <a16:creationId xmlns:a16="http://schemas.microsoft.com/office/drawing/2014/main" id="{9C21D3B9-34DD-3C89-4163-362FF1FF5EE2}"/>
               </a:ext>
             </a:extLst>
           </p:cNvPr>
@@ -2958,7 +2958,7 @@
           <p:cNvPr id="6" name="灯片编号占位符 5">
             <a:extLst>
               <a:ext uri="{FF2B5EF4-FFF2-40B4-BE49-F238E27FC236}">
-                <a16:creationId xmlns:a16="http://schemas.microsoft.com/office/drawing/2014/main" id="{8FAC3A8B-9B8E-A797-0212-AC74D19F9577}"/>
+                <a16:creationId xmlns:a16="http://schemas.microsoft.com/office/drawing/2014/main" id="{FCAEB9DB-4839-74F1-44E4-42411BD184A3}"/>
               </a:ext>
             </a:extLst>
           </p:cNvPr>
@@ -2992,7 +2992,7 @@
             </a:lvl1pPr>
           </a:lstStyle>
           <a:p>
-            <a:fld id="{46ED05AC-80C4-4AFD-9266-1019A2E3A2F9}" type="slidenum">
+            <a:fld id="{EA56D18F-9A25-41C1-8B41-0E46C40745A3}" type="slidenum">
               <a:rPr lang="zh-CN" altLang="en-US" smtClean="0"/>
               <a:t>‹#›</a:t>
             </a:fld>
@@ -3003,7 +3003,7 @@
     </p:spTree>
     <p:extLst>
       <p:ext uri="{BB962C8B-B14F-4D97-AF65-F5344CB8AC3E}">
-        <p14:creationId xmlns:p14="http://schemas.microsoft.com/office/powerpoint/2010/main" val="1788659116"/>
+        <p14:creationId xmlns:p14="http://schemas.microsoft.com/office/powerpoint/2010/main" val="3456894043"/>
       </p:ext>
     </p:extLst>
   </p:cSld>
